--- a/doc/fig-edit.pptx
+++ b/doc/fig-edit.pptx
@@ -7,6 +7,8 @@
   <p:sldIdLst>
     <p:sldId id="256" r:id="rId2"/>
     <p:sldId id="257" r:id="rId3"/>
+    <p:sldId id="258" r:id="rId4"/>
+    <p:sldId id="259" r:id="rId5"/>
   </p:sldIdLst>
   <p:sldSz cx="12192000" cy="6858000"/>
   <p:notesSz cx="6858000" cy="9144000"/>
@@ -105,6 +107,11 @@
       </a:defRPr>
     </a:lvl9pPr>
   </p:defaultTextStyle>
+  <p:extLst>
+    <p:ext uri="{EFAFB233-063F-42B5-8137-9DF3F51BA10A}">
+      <p15:sldGuideLst xmlns:p15="http://schemas.microsoft.com/office/powerpoint/2012/main"/>
+    </p:ext>
+  </p:extLst>
 </p:presentation>
 </file>
 
@@ -257,7 +264,7 @@
           <a:p>
             <a:fld id="{F755C3BE-D9C1-4B89-A570-64D7722DE845}" type="datetimeFigureOut">
               <a:rPr lang="en-GB" smtClean="0"/>
-              <a:t>23/02/2021</a:t>
+              <a:t>25/03/2021</a:t>
             </a:fld>
             <a:endParaRPr lang="en-GB"/>
           </a:p>
@@ -457,7 +464,7 @@
           <a:p>
             <a:fld id="{F755C3BE-D9C1-4B89-A570-64D7722DE845}" type="datetimeFigureOut">
               <a:rPr lang="en-GB" smtClean="0"/>
-              <a:t>23/02/2021</a:t>
+              <a:t>25/03/2021</a:t>
             </a:fld>
             <a:endParaRPr lang="en-GB"/>
           </a:p>
@@ -667,7 +674,7 @@
           <a:p>
             <a:fld id="{F755C3BE-D9C1-4B89-A570-64D7722DE845}" type="datetimeFigureOut">
               <a:rPr lang="en-GB" smtClean="0"/>
-              <a:t>23/02/2021</a:t>
+              <a:t>25/03/2021</a:t>
             </a:fld>
             <a:endParaRPr lang="en-GB"/>
           </a:p>
@@ -867,7 +874,7 @@
           <a:p>
             <a:fld id="{F755C3BE-D9C1-4B89-A570-64D7722DE845}" type="datetimeFigureOut">
               <a:rPr lang="en-GB" smtClean="0"/>
-              <a:t>23/02/2021</a:t>
+              <a:t>25/03/2021</a:t>
             </a:fld>
             <a:endParaRPr lang="en-GB"/>
           </a:p>
@@ -1143,7 +1150,7 @@
           <a:p>
             <a:fld id="{F755C3BE-D9C1-4B89-A570-64D7722DE845}" type="datetimeFigureOut">
               <a:rPr lang="en-GB" smtClean="0"/>
-              <a:t>23/02/2021</a:t>
+              <a:t>25/03/2021</a:t>
             </a:fld>
             <a:endParaRPr lang="en-GB"/>
           </a:p>
@@ -1411,7 +1418,7 @@
           <a:p>
             <a:fld id="{F755C3BE-D9C1-4B89-A570-64D7722DE845}" type="datetimeFigureOut">
               <a:rPr lang="en-GB" smtClean="0"/>
-              <a:t>23/02/2021</a:t>
+              <a:t>25/03/2021</a:t>
             </a:fld>
             <a:endParaRPr lang="en-GB"/>
           </a:p>
@@ -1826,7 +1833,7 @@
           <a:p>
             <a:fld id="{F755C3BE-D9C1-4B89-A570-64D7722DE845}" type="datetimeFigureOut">
               <a:rPr lang="en-GB" smtClean="0"/>
-              <a:t>23/02/2021</a:t>
+              <a:t>25/03/2021</a:t>
             </a:fld>
             <a:endParaRPr lang="en-GB"/>
           </a:p>
@@ -1968,7 +1975,7 @@
           <a:p>
             <a:fld id="{F755C3BE-D9C1-4B89-A570-64D7722DE845}" type="datetimeFigureOut">
               <a:rPr lang="en-GB" smtClean="0"/>
-              <a:t>23/02/2021</a:t>
+              <a:t>25/03/2021</a:t>
             </a:fld>
             <a:endParaRPr lang="en-GB"/>
           </a:p>
@@ -2081,7 +2088,7 @@
           <a:p>
             <a:fld id="{F755C3BE-D9C1-4B89-A570-64D7722DE845}" type="datetimeFigureOut">
               <a:rPr lang="en-GB" smtClean="0"/>
-              <a:t>23/02/2021</a:t>
+              <a:t>25/03/2021</a:t>
             </a:fld>
             <a:endParaRPr lang="en-GB"/>
           </a:p>
@@ -2394,7 +2401,7 @@
           <a:p>
             <a:fld id="{F755C3BE-D9C1-4B89-A570-64D7722DE845}" type="datetimeFigureOut">
               <a:rPr lang="en-GB" smtClean="0"/>
-              <a:t>23/02/2021</a:t>
+              <a:t>25/03/2021</a:t>
             </a:fld>
             <a:endParaRPr lang="en-GB"/>
           </a:p>
@@ -2683,7 +2690,7 @@
           <a:p>
             <a:fld id="{F755C3BE-D9C1-4B89-A570-64D7722DE845}" type="datetimeFigureOut">
               <a:rPr lang="en-GB" smtClean="0"/>
-              <a:t>23/02/2021</a:t>
+              <a:t>25/03/2021</a:t>
             </a:fld>
             <a:endParaRPr lang="en-GB"/>
           </a:p>
@@ -2926,7 +2933,7 @@
           <a:p>
             <a:fld id="{F755C3BE-D9C1-4B89-A570-64D7722DE845}" type="datetimeFigureOut">
               <a:rPr lang="en-GB" smtClean="0"/>
-              <a:t>23/02/2021</a:t>
+              <a:t>25/03/2021</a:t>
             </a:fld>
             <a:endParaRPr lang="en-GB"/>
           </a:p>
@@ -3713,6 +3720,367 @@
 </p:sld>
 </file>
 
+<file path=ppt/slides/slide3.xml><?xml version="1.0" encoding="utf-8"?>
+<p:sld xmlns:a="http://schemas.openxmlformats.org/drawingml/2006/main" xmlns:r="http://schemas.openxmlformats.org/officeDocument/2006/relationships" xmlns:p="http://schemas.openxmlformats.org/presentationml/2006/main">
+  <p:cSld>
+    <p:spTree>
+      <p:nvGrpSpPr>
+        <p:cNvPr id="1" name=""/>
+        <p:cNvGrpSpPr/>
+        <p:nvPr/>
+      </p:nvGrpSpPr>
+      <p:grpSpPr>
+        <a:xfrm>
+          <a:off x="0" y="0"/>
+          <a:ext cx="0" cy="0"/>
+          <a:chOff x="0" y="0"/>
+          <a:chExt cx="0" cy="0"/>
+        </a:xfrm>
+      </p:grpSpPr>
+      <p:grpSp>
+        <p:nvGrpSpPr>
+          <p:cNvPr id="15" name="Gruppieren 14">
+            <a:extLst>
+              <a:ext uri="{FF2B5EF4-FFF2-40B4-BE49-F238E27FC236}">
+                <a16:creationId xmlns:a16="http://schemas.microsoft.com/office/drawing/2014/main" id="{137F33DE-5ECB-4701-A46F-70A6EBF3ACF9}"/>
+              </a:ext>
+            </a:extLst>
+          </p:cNvPr>
+          <p:cNvGrpSpPr/>
+          <p:nvPr/>
+        </p:nvGrpSpPr>
+        <p:grpSpPr>
+          <a:xfrm>
+            <a:off x="1574800" y="-1546550"/>
+            <a:ext cx="8686800" cy="8696650"/>
+            <a:chOff x="1574800" y="-1546550"/>
+            <a:chExt cx="8686800" cy="8696650"/>
+          </a:xfrm>
+        </p:grpSpPr>
+        <p:pic>
+          <p:nvPicPr>
+            <p:cNvPr id="5" name="Grafik 4">
+              <a:extLst>
+                <a:ext uri="{FF2B5EF4-FFF2-40B4-BE49-F238E27FC236}">
+                  <a16:creationId xmlns:a16="http://schemas.microsoft.com/office/drawing/2014/main" id="{838D6D72-68AD-48AB-8B8A-21FE88FE71B5}"/>
+                </a:ext>
+              </a:extLst>
+            </p:cNvPr>
+            <p:cNvPicPr>
+              <a:picLocks noChangeAspect="1"/>
+            </p:cNvPicPr>
+            <p:nvPr/>
+          </p:nvPicPr>
+          <p:blipFill rotWithShape="1">
+            <a:blip r:embed="rId2">
+              <a:extLst>
+                <a:ext uri="{28A0092B-C50C-407E-A947-70E740481C1C}">
+                  <a14:useLocalDpi xmlns:a14="http://schemas.microsoft.com/office/drawing/2010/main" val="0"/>
+                </a:ext>
+              </a:extLst>
+            </a:blip>
+            <a:srcRect l="54375" t="10127" r="10000" b="22709"/>
+            <a:stretch/>
+          </p:blipFill>
+          <p:spPr>
+            <a:xfrm>
+              <a:off x="5918200" y="2547777"/>
+              <a:ext cx="4343400" cy="4094324"/>
+            </a:xfrm>
+            <a:prstGeom prst="rect">
+              <a:avLst/>
+            </a:prstGeom>
+          </p:spPr>
+        </p:pic>
+        <p:pic>
+          <p:nvPicPr>
+            <p:cNvPr id="7" name="Grafik 6">
+              <a:extLst>
+                <a:ext uri="{FF2B5EF4-FFF2-40B4-BE49-F238E27FC236}">
+                  <a16:creationId xmlns:a16="http://schemas.microsoft.com/office/drawing/2014/main" id="{81D118BE-0E0B-4FF2-933F-418C1CA8C8E8}"/>
+                </a:ext>
+              </a:extLst>
+            </p:cNvPr>
+            <p:cNvPicPr>
+              <a:picLocks noChangeAspect="1"/>
+            </p:cNvPicPr>
+            <p:nvPr/>
+          </p:nvPicPr>
+          <p:blipFill rotWithShape="1">
+            <a:blip r:embed="rId3">
+              <a:extLst>
+                <a:ext uri="{28A0092B-C50C-407E-A947-70E740481C1C}">
+                  <a14:useLocalDpi xmlns:a14="http://schemas.microsoft.com/office/drawing/2010/main" val="0"/>
+                </a:ext>
+              </a:extLst>
+            </a:blip>
+            <a:srcRect l="54375" t="10127" r="10000" b="22709"/>
+            <a:stretch/>
+          </p:blipFill>
+          <p:spPr>
+            <a:xfrm>
+              <a:off x="1574800" y="2547777"/>
+              <a:ext cx="4343400" cy="4094324"/>
+            </a:xfrm>
+            <a:prstGeom prst="rect">
+              <a:avLst/>
+            </a:prstGeom>
+          </p:spPr>
+        </p:pic>
+        <p:pic>
+          <p:nvPicPr>
+            <p:cNvPr id="9" name="Grafik 8">
+              <a:extLst>
+                <a:ext uri="{FF2B5EF4-FFF2-40B4-BE49-F238E27FC236}">
+                  <a16:creationId xmlns:a16="http://schemas.microsoft.com/office/drawing/2014/main" id="{CA06914C-A353-4A29-94FD-065DC21F59CE}"/>
+                </a:ext>
+              </a:extLst>
+            </p:cNvPr>
+            <p:cNvPicPr>
+              <a:picLocks noChangeAspect="1"/>
+            </p:cNvPicPr>
+            <p:nvPr/>
+          </p:nvPicPr>
+          <p:blipFill rotWithShape="1">
+            <a:blip r:embed="rId4">
+              <a:extLst>
+                <a:ext uri="{28A0092B-C50C-407E-A947-70E740481C1C}">
+                  <a14:useLocalDpi xmlns:a14="http://schemas.microsoft.com/office/drawing/2010/main" val="0"/>
+                </a:ext>
+              </a:extLst>
+            </a:blip>
+            <a:srcRect l="54375" t="10127" r="10000" b="22709"/>
+            <a:stretch/>
+          </p:blipFill>
+          <p:spPr>
+            <a:xfrm>
+              <a:off x="5918200" y="-1546548"/>
+              <a:ext cx="4343400" cy="4094325"/>
+            </a:xfrm>
+            <a:prstGeom prst="rect">
+              <a:avLst/>
+            </a:prstGeom>
+          </p:spPr>
+        </p:pic>
+        <p:pic>
+          <p:nvPicPr>
+            <p:cNvPr id="11" name="Grafik 10">
+              <a:extLst>
+                <a:ext uri="{FF2B5EF4-FFF2-40B4-BE49-F238E27FC236}">
+                  <a16:creationId xmlns:a16="http://schemas.microsoft.com/office/drawing/2014/main" id="{D9263A9B-CCDE-4B4B-A4A3-8708C4E5CFD2}"/>
+                </a:ext>
+              </a:extLst>
+            </p:cNvPr>
+            <p:cNvPicPr>
+              <a:picLocks noChangeAspect="1"/>
+            </p:cNvPicPr>
+            <p:nvPr/>
+          </p:nvPicPr>
+          <p:blipFill rotWithShape="1">
+            <a:blip r:embed="rId3">
+              <a:extLst>
+                <a:ext uri="{28A0092B-C50C-407E-A947-70E740481C1C}">
+                  <a14:useLocalDpi xmlns:a14="http://schemas.microsoft.com/office/drawing/2010/main" val="0"/>
+                </a:ext>
+              </a:extLst>
+            </a:blip>
+            <a:srcRect l="12917" t="8877" r="51458" b="23958"/>
+            <a:stretch/>
+          </p:blipFill>
+          <p:spPr>
+            <a:xfrm>
+              <a:off x="1574800" y="-1546550"/>
+              <a:ext cx="4343400" cy="4094326"/>
+            </a:xfrm>
+            <a:prstGeom prst="rect">
+              <a:avLst/>
+            </a:prstGeom>
+          </p:spPr>
+        </p:pic>
+        <p:pic>
+          <p:nvPicPr>
+            <p:cNvPr id="13" name="Grafik 12">
+              <a:extLst>
+                <a:ext uri="{FF2B5EF4-FFF2-40B4-BE49-F238E27FC236}">
+                  <a16:creationId xmlns:a16="http://schemas.microsoft.com/office/drawing/2014/main" id="{1734BDDA-2189-499B-933A-0E8CBB7A9E22}"/>
+                </a:ext>
+              </a:extLst>
+            </p:cNvPr>
+            <p:cNvPicPr>
+              <a:picLocks noChangeAspect="1"/>
+            </p:cNvPicPr>
+            <p:nvPr/>
+          </p:nvPicPr>
+          <p:blipFill rotWithShape="1">
+            <a:blip r:embed="rId3">
+              <a:extLst>
+                <a:ext uri="{28A0092B-C50C-407E-A947-70E740481C1C}">
+                  <a14:useLocalDpi xmlns:a14="http://schemas.microsoft.com/office/drawing/2010/main" val="0"/>
+                </a:ext>
+              </a:extLst>
+            </a:blip>
+            <a:srcRect l="15625" t="78959" r="13126" b="12706"/>
+            <a:stretch/>
+          </p:blipFill>
+          <p:spPr>
+            <a:xfrm>
+              <a:off x="1574800" y="6642101"/>
+              <a:ext cx="8686800" cy="507999"/>
+            </a:xfrm>
+            <a:prstGeom prst="rect">
+              <a:avLst/>
+            </a:prstGeom>
+          </p:spPr>
+        </p:pic>
+      </p:grpSp>
+    </p:spTree>
+    <p:extLst>
+      <p:ext uri="{BB962C8B-B14F-4D97-AF65-F5344CB8AC3E}">
+        <p14:creationId xmlns:p14="http://schemas.microsoft.com/office/powerpoint/2010/main" val="65141762"/>
+      </p:ext>
+    </p:extLst>
+  </p:cSld>
+  <p:clrMapOvr>
+    <a:masterClrMapping/>
+  </p:clrMapOvr>
+</p:sld>
+</file>
+
+<file path=ppt/slides/slide4.xml><?xml version="1.0" encoding="utf-8"?>
+<p:sld xmlns:a="http://schemas.openxmlformats.org/drawingml/2006/main" xmlns:r="http://schemas.openxmlformats.org/officeDocument/2006/relationships" xmlns:p="http://schemas.openxmlformats.org/presentationml/2006/main">
+  <p:cSld>
+    <p:spTree>
+      <p:nvGrpSpPr>
+        <p:cNvPr id="1" name=""/>
+        <p:cNvGrpSpPr/>
+        <p:nvPr/>
+      </p:nvGrpSpPr>
+      <p:grpSpPr>
+        <a:xfrm>
+          <a:off x="0" y="0"/>
+          <a:ext cx="0" cy="0"/>
+          <a:chOff x="0" y="0"/>
+          <a:chExt cx="0" cy="0"/>
+        </a:xfrm>
+      </p:grpSpPr>
+      <p:pic>
+        <p:nvPicPr>
+          <p:cNvPr id="7" name="Grafik 6">
+            <a:extLst>
+              <a:ext uri="{FF2B5EF4-FFF2-40B4-BE49-F238E27FC236}">
+                <a16:creationId xmlns:a16="http://schemas.microsoft.com/office/drawing/2014/main" id="{77A94596-728C-4ACE-85AF-68ECF53F6278}"/>
+              </a:ext>
+            </a:extLst>
+          </p:cNvPr>
+          <p:cNvPicPr>
+            <a:picLocks noChangeAspect="1"/>
+          </p:cNvPicPr>
+          <p:nvPr/>
+        </p:nvPicPr>
+        <p:blipFill rotWithShape="1">
+          <a:blip r:embed="rId2">
+            <a:extLst>
+              <a:ext uri="{28A0092B-C50C-407E-A947-70E740481C1C}">
+                <a14:useLocalDpi xmlns:a14="http://schemas.microsoft.com/office/drawing/2010/main" val="0"/>
+              </a:ext>
+            </a:extLst>
+          </a:blip>
+          <a:srcRect l="13542" t="11979" r="7187" b="26302"/>
+          <a:stretch/>
+        </p:blipFill>
+        <p:spPr>
+          <a:xfrm>
+            <a:off x="1714500" y="-1606550"/>
+            <a:ext cx="9664700" cy="3009900"/>
+          </a:xfrm>
+          <a:prstGeom prst="rect">
+            <a:avLst/>
+          </a:prstGeom>
+        </p:spPr>
+      </p:pic>
+      <p:pic>
+        <p:nvPicPr>
+          <p:cNvPr id="5" name="Grafik 4">
+            <a:extLst>
+              <a:ext uri="{FF2B5EF4-FFF2-40B4-BE49-F238E27FC236}">
+                <a16:creationId xmlns:a16="http://schemas.microsoft.com/office/drawing/2014/main" id="{BDCA0693-DB4D-4080-8A49-EB3605AE41E6}"/>
+              </a:ext>
+            </a:extLst>
+          </p:cNvPr>
+          <p:cNvPicPr>
+            <a:picLocks noChangeAspect="1"/>
+          </p:cNvPicPr>
+          <p:nvPr/>
+        </p:nvPicPr>
+        <p:blipFill rotWithShape="1">
+          <a:blip r:embed="rId3">
+            <a:extLst>
+              <a:ext uri="{28A0092B-C50C-407E-A947-70E740481C1C}">
+                <a14:useLocalDpi xmlns:a14="http://schemas.microsoft.com/office/drawing/2010/main" val="0"/>
+              </a:ext>
+            </a:extLst>
+          </a:blip>
+          <a:srcRect l="13542" t="11979" r="7187" b="26302"/>
+          <a:stretch/>
+        </p:blipFill>
+        <p:spPr>
+          <a:xfrm>
+            <a:off x="1714500" y="1311275"/>
+            <a:ext cx="9664700" cy="3009900"/>
+          </a:xfrm>
+          <a:prstGeom prst="rect">
+            <a:avLst/>
+          </a:prstGeom>
+        </p:spPr>
+      </p:pic>
+      <p:pic>
+        <p:nvPicPr>
+          <p:cNvPr id="9" name="Grafik 8">
+            <a:extLst>
+              <a:ext uri="{FF2B5EF4-FFF2-40B4-BE49-F238E27FC236}">
+                <a16:creationId xmlns:a16="http://schemas.microsoft.com/office/drawing/2014/main" id="{E1B0F6C7-72FC-442F-9E7E-1888D653F8A1}"/>
+              </a:ext>
+            </a:extLst>
+          </p:cNvPr>
+          <p:cNvPicPr>
+            <a:picLocks noChangeAspect="1"/>
+          </p:cNvPicPr>
+          <p:nvPr/>
+        </p:nvPicPr>
+        <p:blipFill rotWithShape="1">
+          <a:blip r:embed="rId4">
+            <a:extLst>
+              <a:ext uri="{28A0092B-C50C-407E-A947-70E740481C1C}">
+                <a14:useLocalDpi xmlns:a14="http://schemas.microsoft.com/office/drawing/2010/main" val="0"/>
+              </a:ext>
+            </a:extLst>
+          </a:blip>
+          <a:srcRect l="13542" t="11979" r="7187" b="9635"/>
+          <a:stretch/>
+        </p:blipFill>
+        <p:spPr>
+          <a:xfrm>
+            <a:off x="1714500" y="4321175"/>
+            <a:ext cx="9664700" cy="3822700"/>
+          </a:xfrm>
+          <a:prstGeom prst="rect">
+            <a:avLst/>
+          </a:prstGeom>
+        </p:spPr>
+      </p:pic>
+    </p:spTree>
+    <p:extLst>
+      <p:ext uri="{BB962C8B-B14F-4D97-AF65-F5344CB8AC3E}">
+        <p14:creationId xmlns:p14="http://schemas.microsoft.com/office/powerpoint/2010/main" val="3352868203"/>
+      </p:ext>
+    </p:extLst>
+  </p:cSld>
+  <p:clrMapOvr>
+    <a:masterClrMapping/>
+  </p:clrMapOvr>
+</p:sld>
+</file>
+
 <file path=ppt/theme/theme1.xml><?xml version="1.0" encoding="utf-8"?>
 <a:theme xmlns:a="http://schemas.openxmlformats.org/drawingml/2006/main" name="Office">
   <a:themeElements>

--- a/doc/fig-edit.pptx
+++ b/doc/fig-edit.pptx
@@ -264,7 +264,7 @@
           <a:p>
             <a:fld id="{F755C3BE-D9C1-4B89-A570-64D7722DE845}" type="datetimeFigureOut">
               <a:rPr lang="en-GB" smtClean="0"/>
-              <a:t>25/03/2021</a:t>
+              <a:t>17/04/2021</a:t>
             </a:fld>
             <a:endParaRPr lang="en-GB"/>
           </a:p>
@@ -464,7 +464,7 @@
           <a:p>
             <a:fld id="{F755C3BE-D9C1-4B89-A570-64D7722DE845}" type="datetimeFigureOut">
               <a:rPr lang="en-GB" smtClean="0"/>
-              <a:t>25/03/2021</a:t>
+              <a:t>17/04/2021</a:t>
             </a:fld>
             <a:endParaRPr lang="en-GB"/>
           </a:p>
@@ -674,7 +674,7 @@
           <a:p>
             <a:fld id="{F755C3BE-D9C1-4B89-A570-64D7722DE845}" type="datetimeFigureOut">
               <a:rPr lang="en-GB" smtClean="0"/>
-              <a:t>25/03/2021</a:t>
+              <a:t>17/04/2021</a:t>
             </a:fld>
             <a:endParaRPr lang="en-GB"/>
           </a:p>
@@ -874,7 +874,7 @@
           <a:p>
             <a:fld id="{F755C3BE-D9C1-4B89-A570-64D7722DE845}" type="datetimeFigureOut">
               <a:rPr lang="en-GB" smtClean="0"/>
-              <a:t>25/03/2021</a:t>
+              <a:t>17/04/2021</a:t>
             </a:fld>
             <a:endParaRPr lang="en-GB"/>
           </a:p>
@@ -1150,7 +1150,7 @@
           <a:p>
             <a:fld id="{F755C3BE-D9C1-4B89-A570-64D7722DE845}" type="datetimeFigureOut">
               <a:rPr lang="en-GB" smtClean="0"/>
-              <a:t>25/03/2021</a:t>
+              <a:t>17/04/2021</a:t>
             </a:fld>
             <a:endParaRPr lang="en-GB"/>
           </a:p>
@@ -1418,7 +1418,7 @@
           <a:p>
             <a:fld id="{F755C3BE-D9C1-4B89-A570-64D7722DE845}" type="datetimeFigureOut">
               <a:rPr lang="en-GB" smtClean="0"/>
-              <a:t>25/03/2021</a:t>
+              <a:t>17/04/2021</a:t>
             </a:fld>
             <a:endParaRPr lang="en-GB"/>
           </a:p>
@@ -1833,7 +1833,7 @@
           <a:p>
             <a:fld id="{F755C3BE-D9C1-4B89-A570-64D7722DE845}" type="datetimeFigureOut">
               <a:rPr lang="en-GB" smtClean="0"/>
-              <a:t>25/03/2021</a:t>
+              <a:t>17/04/2021</a:t>
             </a:fld>
             <a:endParaRPr lang="en-GB"/>
           </a:p>
@@ -1975,7 +1975,7 @@
           <a:p>
             <a:fld id="{F755C3BE-D9C1-4B89-A570-64D7722DE845}" type="datetimeFigureOut">
               <a:rPr lang="en-GB" smtClean="0"/>
-              <a:t>25/03/2021</a:t>
+              <a:t>17/04/2021</a:t>
             </a:fld>
             <a:endParaRPr lang="en-GB"/>
           </a:p>
@@ -2088,7 +2088,7 @@
           <a:p>
             <a:fld id="{F755C3BE-D9C1-4B89-A570-64D7722DE845}" type="datetimeFigureOut">
               <a:rPr lang="en-GB" smtClean="0"/>
-              <a:t>25/03/2021</a:t>
+              <a:t>17/04/2021</a:t>
             </a:fld>
             <a:endParaRPr lang="en-GB"/>
           </a:p>
@@ -2401,7 +2401,7 @@
           <a:p>
             <a:fld id="{F755C3BE-D9C1-4B89-A570-64D7722DE845}" type="datetimeFigureOut">
               <a:rPr lang="en-GB" smtClean="0"/>
-              <a:t>25/03/2021</a:t>
+              <a:t>17/04/2021</a:t>
             </a:fld>
             <a:endParaRPr lang="en-GB"/>
           </a:p>
@@ -2690,7 +2690,7 @@
           <a:p>
             <a:fld id="{F755C3BE-D9C1-4B89-A570-64D7722DE845}" type="datetimeFigureOut">
               <a:rPr lang="en-GB" smtClean="0"/>
-              <a:t>25/03/2021</a:t>
+              <a:t>17/04/2021</a:t>
             </a:fld>
             <a:endParaRPr lang="en-GB"/>
           </a:p>
@@ -2933,7 +2933,7 @@
           <a:p>
             <a:fld id="{F755C3BE-D9C1-4B89-A570-64D7722DE845}" type="datetimeFigureOut">
               <a:rPr lang="en-GB" smtClean="0"/>
-              <a:t>25/03/2021</a:t>
+              <a:t>17/04/2021</a:t>
             </a:fld>
             <a:endParaRPr lang="en-GB"/>
           </a:p>
@@ -3739,10 +3739,10 @@
       </p:grpSpPr>
       <p:grpSp>
         <p:nvGrpSpPr>
-          <p:cNvPr id="15" name="Gruppieren 14">
-            <a:extLst>
-              <a:ext uri="{FF2B5EF4-FFF2-40B4-BE49-F238E27FC236}">
-                <a16:creationId xmlns:a16="http://schemas.microsoft.com/office/drawing/2014/main" id="{137F33DE-5ECB-4701-A46F-70A6EBF3ACF9}"/>
+          <p:cNvPr id="6" name="Gruppieren 5">
+            <a:extLst>
+              <a:ext uri="{FF2B5EF4-FFF2-40B4-BE49-F238E27FC236}">
+                <a16:creationId xmlns:a16="http://schemas.microsoft.com/office/drawing/2014/main" id="{11B87078-44A4-4012-858F-714BC8DEA871}"/>
               </a:ext>
             </a:extLst>
           </p:cNvPr>
@@ -3752,9 +3752,9 @@
         <p:grpSpPr>
           <a:xfrm>
             <a:off x="1574800" y="-1546550"/>
-            <a:ext cx="8686800" cy="8696650"/>
+            <a:ext cx="8686800" cy="8836352"/>
             <a:chOff x="1574800" y="-1546550"/>
-            <a:chExt cx="8686800" cy="8696650"/>
+            <a:chExt cx="8686800" cy="8836352"/>
           </a:xfrm>
         </p:grpSpPr>
         <p:pic>
@@ -3899,10 +3899,10 @@
         </p:pic>
         <p:pic>
           <p:nvPicPr>
-            <p:cNvPr id="13" name="Grafik 12">
+            <p:cNvPr id="3" name="Grafik 2">
               <a:extLst>
                 <a:ext uri="{FF2B5EF4-FFF2-40B4-BE49-F238E27FC236}">
-                  <a16:creationId xmlns:a16="http://schemas.microsoft.com/office/drawing/2014/main" id="{1734BDDA-2189-499B-933A-0E8CBB7A9E22}"/>
+                  <a16:creationId xmlns:a16="http://schemas.microsoft.com/office/drawing/2014/main" id="{33CDBB78-ADB8-4B87-8B0E-9AE2E08A9ADD}"/>
                 </a:ext>
               </a:extLst>
             </p:cNvPr>
@@ -3912,20 +3912,20 @@
             <p:nvPr/>
           </p:nvPicPr>
           <p:blipFill rotWithShape="1">
-            <a:blip r:embed="rId3">
+            <a:blip r:embed="rId5">
               <a:extLst>
                 <a:ext uri="{28A0092B-C50C-407E-A947-70E740481C1C}">
                   <a14:useLocalDpi xmlns:a14="http://schemas.microsoft.com/office/drawing/2010/main" val="0"/>
                 </a:ext>
               </a:extLst>
             </a:blip>
-            <a:srcRect l="15625" t="78959" r="13126" b="12706"/>
+            <a:srcRect l="14375" t="79167" r="14375" b="10209"/>
             <a:stretch/>
           </p:blipFill>
           <p:spPr>
             <a:xfrm>
               <a:off x="1574800" y="6642101"/>
-              <a:ext cx="8686800" cy="507999"/>
+              <a:ext cx="8686800" cy="647701"/>
             </a:xfrm>
             <a:prstGeom prst="rect">
               <a:avLst/>
